--- a/sum/VGG_GoogLeNet_ResNet.pptx
+++ b/sum/VGG_GoogLeNet_ResNet.pptx
@@ -5,7 +5,7 @@
     <p:sldMasterId id="2147483648" r:id="rId1"/>
   </p:sldMasterIdLst>
   <p:notesMasterIdLst>
-    <p:notesMasterId r:id="rId10"/>
+    <p:notesMasterId r:id="rId11"/>
   </p:notesMasterIdLst>
   <p:sldIdLst>
     <p:sldId id="256" r:id="rId3"/>
@@ -15,6 +15,7 @@
     <p:sldId id="266" r:id="rId7"/>
     <p:sldId id="267" r:id="rId8"/>
     <p:sldId id="268" r:id="rId9"/>
+    <p:sldId id="269" r:id="rId10"/>
   </p:sldIdLst>
   <p:sldSz cx="12192000" cy="6858000"/>
   <p:notesSz cx="6858000" cy="9144000"/>
@@ -461,6 +462,71 @@
     </a:lvl9pPr>
   </p:notesStyle>
 </p:notesMaster>
+</file>
+
+<file path=ppt/notesSlides/notesSlide1.xml><?xml version="1.0" encoding="utf-8"?>
+<p:notes xmlns:a="http://schemas.openxmlformats.org/drawingml/2006/main" xmlns:r="http://schemas.openxmlformats.org/officeDocument/2006/relationships" xmlns:p="http://schemas.openxmlformats.org/presentationml/2006/main">
+  <p:cSld>
+    <p:spTree>
+      <p:nvGrpSpPr>
+        <p:cNvPr id="1" name=""/>
+        <p:cNvGrpSpPr/>
+        <p:nvPr/>
+      </p:nvGrpSpPr>
+      <p:grpSpPr/>
+      <p:sp>
+        <p:nvSpPr>
+          <p:cNvPr id="2" name="Slide Image Placeholder 1"/>
+          <p:cNvSpPr/>
+          <p:nvPr>
+            <p:ph type="sldImg" idx="2"/>
+          </p:nvPr>
+        </p:nvSpPr>
+        <p:spPr/>
+      </p:sp>
+      <p:sp>
+        <p:nvSpPr>
+          <p:cNvPr id="3" name="Text Placeholder 2"/>
+          <p:cNvSpPr/>
+          <p:nvPr>
+            <p:ph type="body" idx="3"/>
+          </p:nvPr>
+        </p:nvSpPr>
+        <p:spPr/>
+        <p:txBody>
+          <a:bodyPr/>
+          <a:p>
+            <a:endParaRPr lang="en-US"/>
+          </a:p>
+        </p:txBody>
+      </p:sp>
+      <p:sp>
+        <p:nvSpPr>
+          <p:cNvPr id="4" name="Slide Number Placeholder 3"/>
+          <p:cNvSpPr>
+            <a:spLocks noGrp="1"/>
+          </p:cNvSpPr>
+          <p:nvPr>
+            <p:ph type="sldNum" sz="quarter" idx="5"/>
+          </p:nvPr>
+        </p:nvSpPr>
+        <p:spPr/>
+        <p:txBody>
+          <a:bodyPr/>
+          <a:p>
+            <a:fld id="{21B2AA4F-B828-4D7C-AFD3-893933DAFCB4}" type="slidenum">
+              <a:rPr lang="en-US" smtClean="0"/>
+            </a:fld>
+            <a:endParaRPr lang="en-US"/>
+          </a:p>
+        </p:txBody>
+      </p:sp>
+    </p:spTree>
+  </p:cSld>
+  <p:clrMapOvr>
+    <a:masterClrMapping/>
+  </p:clrMapOvr>
+</p:notes>
 </file>
 
 <file path=ppt/slideLayouts/slideLayout1.xml><?xml version="1.0" encoding="utf-8"?>
@@ -5427,6 +5493,169 @@
                 <a:sym typeface="+mn-ea"/>
               </a:rPr>
               <a:t>Network Configuration</a:t>
+            </a:r>
+            <a:endParaRPr lang="x-none" altLang="en-US">
+              <a:latin typeface="+mn-ea"/>
+            </a:endParaRPr>
+          </a:p>
+        </p:txBody>
+      </p:sp>
+    </p:spTree>
+  </p:cSld>
+  <p:clrMapOvr>
+    <a:masterClrMapping/>
+  </p:clrMapOvr>
+</p:sld>
+</file>
+
+<file path=ppt/slides/slide8.xml><?xml version="1.0" encoding="utf-8"?>
+<p:sld xmlns:a="http://schemas.openxmlformats.org/drawingml/2006/main" xmlns:r="http://schemas.openxmlformats.org/officeDocument/2006/relationships" xmlns:p="http://schemas.openxmlformats.org/presentationml/2006/main">
+  <p:cSld>
+    <p:spTree>
+      <p:nvGrpSpPr>
+        <p:cNvPr id="1" name=""/>
+        <p:cNvGrpSpPr/>
+        <p:nvPr/>
+      </p:nvGrpSpPr>
+      <p:grpSpPr/>
+      <p:sp>
+        <p:nvSpPr>
+          <p:cNvPr id="2" name="Title 1"/>
+          <p:cNvSpPr>
+            <a:spLocks noGrp="1"/>
+          </p:cNvSpPr>
+          <p:nvPr>
+            <p:ph type="ctrTitle"/>
+          </p:nvPr>
+        </p:nvSpPr>
+        <p:spPr>
+          <a:xfrm>
+            <a:off x="480695" y="376555"/>
+            <a:ext cx="9144000" cy="838835"/>
+          </a:xfrm>
+        </p:spPr>
+        <p:txBody>
+          <a:bodyPr/>
+          <a:p>
+            <a:pPr algn="l"/>
+            <a:r>
+              <a:rPr lang="x-none" altLang="en-US" sz="4400">
+                <a:latin typeface="+mn-ea"/>
+              </a:rPr>
+              <a:t>VGG, GoogLeNet, ResNet</a:t>
+            </a:r>
+            <a:endParaRPr lang="x-none" altLang="en-US" sz="4400">
+              <a:latin typeface="+mn-ea"/>
+            </a:endParaRPr>
+          </a:p>
+        </p:txBody>
+      </p:sp>
+      <p:sp>
+        <p:nvSpPr>
+          <p:cNvPr id="3" name="Subtitle 2"/>
+          <p:cNvSpPr>
+            <a:spLocks noGrp="1"/>
+          </p:cNvSpPr>
+          <p:nvPr>
+            <p:ph type="subTitle" idx="1"/>
+          </p:nvPr>
+        </p:nvSpPr>
+        <p:spPr>
+          <a:xfrm>
+            <a:off x="498475" y="1520825"/>
+            <a:ext cx="11165840" cy="4743450"/>
+          </a:xfrm>
+        </p:spPr>
+        <p:txBody>
+          <a:bodyPr>
+            <a:normAutofit lnSpcReduction="10000"/>
+          </a:bodyPr>
+          <a:p>
+            <a:pPr algn="l"/>
+            <a:r>
+              <a:rPr lang="x-none" altLang="en-US" b="1">
+                <a:latin typeface="+mn-ea"/>
+              </a:rPr>
+              <a:t>Code Implementation</a:t>
+            </a:r>
+            <a:endParaRPr lang="x-none" altLang="en-US" b="1">
+              <a:latin typeface="+mn-ea"/>
+            </a:endParaRPr>
+          </a:p>
+          <a:p>
+            <a:pPr algn="l"/>
+            <a:endParaRPr lang="x-none" altLang="en-US" b="1">
+              <a:latin typeface="+mn-ea"/>
+            </a:endParaRPr>
+          </a:p>
+          <a:p>
+            <a:pPr algn="l"/>
+            <a:r>
+              <a:rPr lang="x-none" altLang="en-US">
+                <a:latin typeface="+mn-ea"/>
+              </a:rPr>
+              <a:t>VGG Train and Test:			vgg16.py</a:t>
+            </a:r>
+            <a:endParaRPr lang="x-none" altLang="en-US">
+              <a:latin typeface="+mn-ea"/>
+            </a:endParaRPr>
+          </a:p>
+          <a:p>
+            <a:pPr algn="l"/>
+            <a:endParaRPr lang="x-none" altLang="en-US">
+              <a:latin typeface="+mn-ea"/>
+            </a:endParaRPr>
+          </a:p>
+          <a:p>
+            <a:pPr algn="l"/>
+            <a:r>
+              <a:rPr lang="x-none" altLang="en-US">
+                <a:latin typeface="+mn-ea"/>
+                <a:sym typeface="+mn-ea"/>
+              </a:rPr>
+              <a:t>GoogLeNet Train and Test:		googlenet.py</a:t>
+            </a:r>
+            <a:endParaRPr lang="x-none" altLang="en-US">
+              <a:latin typeface="+mn-ea"/>
+              <a:sym typeface="+mn-ea"/>
+            </a:endParaRPr>
+          </a:p>
+          <a:p>
+            <a:pPr algn="l"/>
+            <a:endParaRPr lang="x-none" altLang="en-US">
+              <a:latin typeface="+mn-ea"/>
+              <a:sym typeface="+mn-ea"/>
+            </a:endParaRPr>
+          </a:p>
+          <a:p>
+            <a:pPr algn="l"/>
+            <a:r>
+              <a:rPr lang="x-none" altLang="en-US">
+                <a:latin typeface="+mn-ea"/>
+                <a:sym typeface="+mn-ea"/>
+              </a:rPr>
+              <a:t>Resnet Train and Test:			residual_net.py</a:t>
+            </a:r>
+            <a:endParaRPr lang="x-none" altLang="en-US">
+              <a:latin typeface="+mn-ea"/>
+              <a:sym typeface="+mn-ea"/>
+            </a:endParaRPr>
+          </a:p>
+          <a:p>
+            <a:pPr algn="l"/>
+            <a:endParaRPr lang="x-none" altLang="en-US">
+              <a:latin typeface="+mn-ea"/>
+              <a:sym typeface="+mn-ea"/>
+            </a:endParaRPr>
+          </a:p>
+          <a:p>
+            <a:pPr algn="l"/>
+            <a:r>
+              <a:rPr lang="x-none" altLang="en-US">
+                <a:latin typeface="+mn-ea"/>
+                <a:sym typeface="+mn-ea"/>
+              </a:rPr>
+              <a:t>Inception_ResNet Train and Test: 	inception_resnet_v2.py</a:t>
             </a:r>
             <a:endParaRPr lang="x-none" altLang="en-US">
               <a:latin typeface="+mn-ea"/>
